--- a/ppt 16-9/1263.我是天上小国.pptx
+++ b/ppt 16-9/1263.我是天上小国.pptx
@@ -5,7 +5,7 @@
     <p:sldMasterId id="2147483648" r:id="rId1"/>
   </p:sldMasterIdLst>
   <p:sldIdLst>
-    <p:sldId id="812" r:id="rId2"/>
+    <p:sldId id="813" r:id="rId2"/>
   </p:sldIdLst>
   <p:sldSz cx="12192000" cy="6858000"/>
   <p:notesSz cx="6858000" cy="9144000"/>
@@ -129,7 +129,7 @@
           <p:cNvPr id="2" name="标题 1">
             <a:extLst>
               <a:ext uri="{FF2B5EF4-FFF2-40B4-BE49-F238E27FC236}">
-                <a16:creationId xmlns:a16="http://schemas.microsoft.com/office/drawing/2014/main" id="{8C7CE9C2-304B-8D1A-9030-0DC6459ADD4B}"/>
+                <a16:creationId xmlns:a16="http://schemas.microsoft.com/office/drawing/2014/main" id="{90B81DB8-A9EB-7E12-A27C-95FD63546F52}"/>
               </a:ext>
             </a:extLst>
           </p:cNvPr>
@@ -166,7 +166,7 @@
           <p:cNvPr id="3" name="副标题 2">
             <a:extLst>
               <a:ext uri="{FF2B5EF4-FFF2-40B4-BE49-F238E27FC236}">
-                <a16:creationId xmlns:a16="http://schemas.microsoft.com/office/drawing/2014/main" id="{1A295148-1D30-370D-8DD3-4781E6DED2A9}"/>
+                <a16:creationId xmlns:a16="http://schemas.microsoft.com/office/drawing/2014/main" id="{A12C4AFB-5CF5-8978-EE43-C3EDDB6D6BD1}"/>
               </a:ext>
             </a:extLst>
           </p:cNvPr>
@@ -236,7 +236,7 @@
           <p:cNvPr id="4" name="日期占位符 3">
             <a:extLst>
               <a:ext uri="{FF2B5EF4-FFF2-40B4-BE49-F238E27FC236}">
-                <a16:creationId xmlns:a16="http://schemas.microsoft.com/office/drawing/2014/main" id="{51B2B959-5946-BAAA-0343-2552D34FBEE1}"/>
+                <a16:creationId xmlns:a16="http://schemas.microsoft.com/office/drawing/2014/main" id="{7C6A2352-3849-1DA9-A707-1B8A93981B9D}"/>
               </a:ext>
             </a:extLst>
           </p:cNvPr>
@@ -252,7 +252,7 @@
           <a:bodyPr/>
           <a:lstStyle/>
           <a:p>
-            <a:fld id="{4AF0AEC9-9C40-4BD6-B168-9014C5B3DCEF}" type="datetimeFigureOut">
+            <a:fld id="{9E280738-DB55-4653-9056-96375497A42F}" type="datetimeFigureOut">
               <a:rPr lang="zh-CN" altLang="en-US" smtClean="0"/>
               <a:t>2024/3/10</a:t>
             </a:fld>
@@ -265,7 +265,7 @@
           <p:cNvPr id="5" name="页脚占位符 4">
             <a:extLst>
               <a:ext uri="{FF2B5EF4-FFF2-40B4-BE49-F238E27FC236}">
-                <a16:creationId xmlns:a16="http://schemas.microsoft.com/office/drawing/2014/main" id="{FB38FF60-E0A6-4DC6-D221-10209F09CAF0}"/>
+                <a16:creationId xmlns:a16="http://schemas.microsoft.com/office/drawing/2014/main" id="{2CF0E9CB-0BC5-327D-87C8-78EC928A8404}"/>
               </a:ext>
             </a:extLst>
           </p:cNvPr>
@@ -290,7 +290,7 @@
           <p:cNvPr id="6" name="灯片编号占位符 5">
             <a:extLst>
               <a:ext uri="{FF2B5EF4-FFF2-40B4-BE49-F238E27FC236}">
-                <a16:creationId xmlns:a16="http://schemas.microsoft.com/office/drawing/2014/main" id="{4BA24877-7B80-49EB-E702-6F4CDF07832F}"/>
+                <a16:creationId xmlns:a16="http://schemas.microsoft.com/office/drawing/2014/main" id="{0D0A6FBA-F461-78F1-5A40-B92F7918E288}"/>
               </a:ext>
             </a:extLst>
           </p:cNvPr>
@@ -306,7 +306,7 @@
           <a:bodyPr/>
           <a:lstStyle/>
           <a:p>
-            <a:fld id="{2BDF421C-AACB-4943-BB64-F45CB20459FB}" type="slidenum">
+            <a:fld id="{119CD012-1C9F-4DDF-AB88-77FBCC2BDB87}" type="slidenum">
               <a:rPr lang="zh-CN" altLang="en-US" smtClean="0"/>
               <a:t>‹#›</a:t>
             </a:fld>
@@ -317,7 +317,7 @@
     </p:spTree>
     <p:extLst>
       <p:ext uri="{BB962C8B-B14F-4D97-AF65-F5344CB8AC3E}">
-        <p14:creationId xmlns:p14="http://schemas.microsoft.com/office/powerpoint/2010/main" val="36438101"/>
+        <p14:creationId xmlns:p14="http://schemas.microsoft.com/office/powerpoint/2010/main" val="1607840437"/>
       </p:ext>
     </p:extLst>
   </p:cSld>
@@ -349,7 +349,7 @@
           <p:cNvPr id="2" name="标题 1">
             <a:extLst>
               <a:ext uri="{FF2B5EF4-FFF2-40B4-BE49-F238E27FC236}">
-                <a16:creationId xmlns:a16="http://schemas.microsoft.com/office/drawing/2014/main" id="{B64848B1-5E2F-BA54-E802-7C1F9A287EFD}"/>
+                <a16:creationId xmlns:a16="http://schemas.microsoft.com/office/drawing/2014/main" id="{BAAE330E-D772-1821-4DBB-F05CF91F1B6C}"/>
               </a:ext>
             </a:extLst>
           </p:cNvPr>
@@ -377,7 +377,7 @@
           <p:cNvPr id="3" name="竖排文字占位符 2">
             <a:extLst>
               <a:ext uri="{FF2B5EF4-FFF2-40B4-BE49-F238E27FC236}">
-                <a16:creationId xmlns:a16="http://schemas.microsoft.com/office/drawing/2014/main" id="{FB00D416-2343-17AC-4A8D-0F2556226F4C}"/>
+                <a16:creationId xmlns:a16="http://schemas.microsoft.com/office/drawing/2014/main" id="{20A51584-FEC8-F279-2F4B-674A84EF03BA}"/>
               </a:ext>
             </a:extLst>
           </p:cNvPr>
@@ -434,7 +434,7 @@
           <p:cNvPr id="4" name="日期占位符 3">
             <a:extLst>
               <a:ext uri="{FF2B5EF4-FFF2-40B4-BE49-F238E27FC236}">
-                <a16:creationId xmlns:a16="http://schemas.microsoft.com/office/drawing/2014/main" id="{B0743421-BFC8-E71C-2339-E13DFD14CFF9}"/>
+                <a16:creationId xmlns:a16="http://schemas.microsoft.com/office/drawing/2014/main" id="{DB967337-739F-46AD-97BF-793782D16EBE}"/>
               </a:ext>
             </a:extLst>
           </p:cNvPr>
@@ -450,7 +450,7 @@
           <a:bodyPr/>
           <a:lstStyle/>
           <a:p>
-            <a:fld id="{4AF0AEC9-9C40-4BD6-B168-9014C5B3DCEF}" type="datetimeFigureOut">
+            <a:fld id="{9E280738-DB55-4653-9056-96375497A42F}" type="datetimeFigureOut">
               <a:rPr lang="zh-CN" altLang="en-US" smtClean="0"/>
               <a:t>2024/3/10</a:t>
             </a:fld>
@@ -463,7 +463,7 @@
           <p:cNvPr id="5" name="页脚占位符 4">
             <a:extLst>
               <a:ext uri="{FF2B5EF4-FFF2-40B4-BE49-F238E27FC236}">
-                <a16:creationId xmlns:a16="http://schemas.microsoft.com/office/drawing/2014/main" id="{95BA6D02-7A76-FCCF-FA4D-AC5211AD0F5C}"/>
+                <a16:creationId xmlns:a16="http://schemas.microsoft.com/office/drawing/2014/main" id="{8A0BCD92-1609-47D5-D0C3-373F61D43923}"/>
               </a:ext>
             </a:extLst>
           </p:cNvPr>
@@ -488,7 +488,7 @@
           <p:cNvPr id="6" name="灯片编号占位符 5">
             <a:extLst>
               <a:ext uri="{FF2B5EF4-FFF2-40B4-BE49-F238E27FC236}">
-                <a16:creationId xmlns:a16="http://schemas.microsoft.com/office/drawing/2014/main" id="{4E6665D0-702F-48C3-383C-7648B880EE89}"/>
+                <a16:creationId xmlns:a16="http://schemas.microsoft.com/office/drawing/2014/main" id="{7F0840D9-56FF-80FD-57C7-EEC81242B87C}"/>
               </a:ext>
             </a:extLst>
           </p:cNvPr>
@@ -504,7 +504,7 @@
           <a:bodyPr/>
           <a:lstStyle/>
           <a:p>
-            <a:fld id="{2BDF421C-AACB-4943-BB64-F45CB20459FB}" type="slidenum">
+            <a:fld id="{119CD012-1C9F-4DDF-AB88-77FBCC2BDB87}" type="slidenum">
               <a:rPr lang="zh-CN" altLang="en-US" smtClean="0"/>
               <a:t>‹#›</a:t>
             </a:fld>
@@ -515,7 +515,7 @@
     </p:spTree>
     <p:extLst>
       <p:ext uri="{BB962C8B-B14F-4D97-AF65-F5344CB8AC3E}">
-        <p14:creationId xmlns:p14="http://schemas.microsoft.com/office/powerpoint/2010/main" val="3739143326"/>
+        <p14:creationId xmlns:p14="http://schemas.microsoft.com/office/powerpoint/2010/main" val="529070099"/>
       </p:ext>
     </p:extLst>
   </p:cSld>
@@ -547,7 +547,7 @@
           <p:cNvPr id="2" name="竖排标题 1">
             <a:extLst>
               <a:ext uri="{FF2B5EF4-FFF2-40B4-BE49-F238E27FC236}">
-                <a16:creationId xmlns:a16="http://schemas.microsoft.com/office/drawing/2014/main" id="{1161234E-02AB-84BD-DFC2-2093F12DFDB4}"/>
+                <a16:creationId xmlns:a16="http://schemas.microsoft.com/office/drawing/2014/main" id="{ED6A3264-AE76-53DB-F9BA-C4061A97D7CB}"/>
               </a:ext>
             </a:extLst>
           </p:cNvPr>
@@ -580,7 +580,7 @@
           <p:cNvPr id="3" name="竖排文字占位符 2">
             <a:extLst>
               <a:ext uri="{FF2B5EF4-FFF2-40B4-BE49-F238E27FC236}">
-                <a16:creationId xmlns:a16="http://schemas.microsoft.com/office/drawing/2014/main" id="{6A6597F9-AFCC-635A-05E2-1289DDE3B6E9}"/>
+                <a16:creationId xmlns:a16="http://schemas.microsoft.com/office/drawing/2014/main" id="{EF48261E-00B6-F3A8-29FE-881B880A9750}"/>
               </a:ext>
             </a:extLst>
           </p:cNvPr>
@@ -642,7 +642,7 @@
           <p:cNvPr id="4" name="日期占位符 3">
             <a:extLst>
               <a:ext uri="{FF2B5EF4-FFF2-40B4-BE49-F238E27FC236}">
-                <a16:creationId xmlns:a16="http://schemas.microsoft.com/office/drawing/2014/main" id="{2D9A22B3-7F02-7C7E-B0C1-84EB02280698}"/>
+                <a16:creationId xmlns:a16="http://schemas.microsoft.com/office/drawing/2014/main" id="{F2AE80AB-592A-108B-D5C2-911E6C685BD4}"/>
               </a:ext>
             </a:extLst>
           </p:cNvPr>
@@ -658,7 +658,7 @@
           <a:bodyPr/>
           <a:lstStyle/>
           <a:p>
-            <a:fld id="{4AF0AEC9-9C40-4BD6-B168-9014C5B3DCEF}" type="datetimeFigureOut">
+            <a:fld id="{9E280738-DB55-4653-9056-96375497A42F}" type="datetimeFigureOut">
               <a:rPr lang="zh-CN" altLang="en-US" smtClean="0"/>
               <a:t>2024/3/10</a:t>
             </a:fld>
@@ -671,7 +671,7 @@
           <p:cNvPr id="5" name="页脚占位符 4">
             <a:extLst>
               <a:ext uri="{FF2B5EF4-FFF2-40B4-BE49-F238E27FC236}">
-                <a16:creationId xmlns:a16="http://schemas.microsoft.com/office/drawing/2014/main" id="{55A66D8F-E74A-0F17-DB5C-F0409EB2832E}"/>
+                <a16:creationId xmlns:a16="http://schemas.microsoft.com/office/drawing/2014/main" id="{8CA571FC-4AB5-5EE4-58DE-01AD3D5D6463}"/>
               </a:ext>
             </a:extLst>
           </p:cNvPr>
@@ -696,7 +696,7 @@
           <p:cNvPr id="6" name="灯片编号占位符 5">
             <a:extLst>
               <a:ext uri="{FF2B5EF4-FFF2-40B4-BE49-F238E27FC236}">
-                <a16:creationId xmlns:a16="http://schemas.microsoft.com/office/drawing/2014/main" id="{5855427E-33C6-CD9D-8E94-B7BC4AAA56E8}"/>
+                <a16:creationId xmlns:a16="http://schemas.microsoft.com/office/drawing/2014/main" id="{BE599162-6C4C-9AFA-D2C8-326C536F19F5}"/>
               </a:ext>
             </a:extLst>
           </p:cNvPr>
@@ -712,7 +712,7 @@
           <a:bodyPr/>
           <a:lstStyle/>
           <a:p>
-            <a:fld id="{2BDF421C-AACB-4943-BB64-F45CB20459FB}" type="slidenum">
+            <a:fld id="{119CD012-1C9F-4DDF-AB88-77FBCC2BDB87}" type="slidenum">
               <a:rPr lang="zh-CN" altLang="en-US" smtClean="0"/>
               <a:t>‹#›</a:t>
             </a:fld>
@@ -723,7 +723,7 @@
     </p:spTree>
     <p:extLst>
       <p:ext uri="{BB962C8B-B14F-4D97-AF65-F5344CB8AC3E}">
-        <p14:creationId xmlns:p14="http://schemas.microsoft.com/office/powerpoint/2010/main" val="2042206383"/>
+        <p14:creationId xmlns:p14="http://schemas.microsoft.com/office/powerpoint/2010/main" val="337790808"/>
       </p:ext>
     </p:extLst>
   </p:cSld>
@@ -755,7 +755,7 @@
           <p:cNvPr id="2" name="标题 1">
             <a:extLst>
               <a:ext uri="{FF2B5EF4-FFF2-40B4-BE49-F238E27FC236}">
-                <a16:creationId xmlns:a16="http://schemas.microsoft.com/office/drawing/2014/main" id="{2BD093B8-42D7-D3B4-B95A-426386EA8C2C}"/>
+                <a16:creationId xmlns:a16="http://schemas.microsoft.com/office/drawing/2014/main" id="{7AF3B61E-1A69-34EB-49B9-642F18AE834B}"/>
               </a:ext>
             </a:extLst>
           </p:cNvPr>
@@ -783,7 +783,7 @@
           <p:cNvPr id="3" name="内容占位符 2">
             <a:extLst>
               <a:ext uri="{FF2B5EF4-FFF2-40B4-BE49-F238E27FC236}">
-                <a16:creationId xmlns:a16="http://schemas.microsoft.com/office/drawing/2014/main" id="{D6366CB9-295C-13E9-C6D6-96B46CEF3E78}"/>
+                <a16:creationId xmlns:a16="http://schemas.microsoft.com/office/drawing/2014/main" id="{044085DF-F611-B779-9F96-6F13C86A5C00}"/>
               </a:ext>
             </a:extLst>
           </p:cNvPr>
@@ -840,7 +840,7 @@
           <p:cNvPr id="4" name="日期占位符 3">
             <a:extLst>
               <a:ext uri="{FF2B5EF4-FFF2-40B4-BE49-F238E27FC236}">
-                <a16:creationId xmlns:a16="http://schemas.microsoft.com/office/drawing/2014/main" id="{4697F852-7277-3A87-0621-B4FE6B3BA927}"/>
+                <a16:creationId xmlns:a16="http://schemas.microsoft.com/office/drawing/2014/main" id="{C1EEEC25-D965-FE85-11AD-982BB7570435}"/>
               </a:ext>
             </a:extLst>
           </p:cNvPr>
@@ -856,7 +856,7 @@
           <a:bodyPr/>
           <a:lstStyle/>
           <a:p>
-            <a:fld id="{4AF0AEC9-9C40-4BD6-B168-9014C5B3DCEF}" type="datetimeFigureOut">
+            <a:fld id="{9E280738-DB55-4653-9056-96375497A42F}" type="datetimeFigureOut">
               <a:rPr lang="zh-CN" altLang="en-US" smtClean="0"/>
               <a:t>2024/3/10</a:t>
             </a:fld>
@@ -869,7 +869,7 @@
           <p:cNvPr id="5" name="页脚占位符 4">
             <a:extLst>
               <a:ext uri="{FF2B5EF4-FFF2-40B4-BE49-F238E27FC236}">
-                <a16:creationId xmlns:a16="http://schemas.microsoft.com/office/drawing/2014/main" id="{8AA57797-FD1D-B13D-4910-BADFF20259B9}"/>
+                <a16:creationId xmlns:a16="http://schemas.microsoft.com/office/drawing/2014/main" id="{3709C67B-7381-2179-A44A-F0CCDC9BE88F}"/>
               </a:ext>
             </a:extLst>
           </p:cNvPr>
@@ -894,7 +894,7 @@
           <p:cNvPr id="6" name="灯片编号占位符 5">
             <a:extLst>
               <a:ext uri="{FF2B5EF4-FFF2-40B4-BE49-F238E27FC236}">
-                <a16:creationId xmlns:a16="http://schemas.microsoft.com/office/drawing/2014/main" id="{90C53761-D5A0-4413-4B79-3637E2F75CB1}"/>
+                <a16:creationId xmlns:a16="http://schemas.microsoft.com/office/drawing/2014/main" id="{BA642DF0-CDCE-A744-D551-C6AC2E76B529}"/>
               </a:ext>
             </a:extLst>
           </p:cNvPr>
@@ -910,7 +910,7 @@
           <a:bodyPr/>
           <a:lstStyle/>
           <a:p>
-            <a:fld id="{2BDF421C-AACB-4943-BB64-F45CB20459FB}" type="slidenum">
+            <a:fld id="{119CD012-1C9F-4DDF-AB88-77FBCC2BDB87}" type="slidenum">
               <a:rPr lang="zh-CN" altLang="en-US" smtClean="0"/>
               <a:t>‹#›</a:t>
             </a:fld>
@@ -921,7 +921,7 @@
     </p:spTree>
     <p:extLst>
       <p:ext uri="{BB962C8B-B14F-4D97-AF65-F5344CB8AC3E}">
-        <p14:creationId xmlns:p14="http://schemas.microsoft.com/office/powerpoint/2010/main" val="4179863281"/>
+        <p14:creationId xmlns:p14="http://schemas.microsoft.com/office/powerpoint/2010/main" val="1628341107"/>
       </p:ext>
     </p:extLst>
   </p:cSld>
@@ -953,7 +953,7 @@
           <p:cNvPr id="2" name="标题 1">
             <a:extLst>
               <a:ext uri="{FF2B5EF4-FFF2-40B4-BE49-F238E27FC236}">
-                <a16:creationId xmlns:a16="http://schemas.microsoft.com/office/drawing/2014/main" id="{57D52612-3C09-5CCE-65B9-48C12E2C9406}"/>
+                <a16:creationId xmlns:a16="http://schemas.microsoft.com/office/drawing/2014/main" id="{8F0DA63E-57A3-8D2C-D0C6-26DA98637A5C}"/>
               </a:ext>
             </a:extLst>
           </p:cNvPr>
@@ -990,7 +990,7 @@
           <p:cNvPr id="3" name="文本占位符 2">
             <a:extLst>
               <a:ext uri="{FF2B5EF4-FFF2-40B4-BE49-F238E27FC236}">
-                <a16:creationId xmlns:a16="http://schemas.microsoft.com/office/drawing/2014/main" id="{8C6FA33D-DBDB-D6E0-E35F-5FE7C935F0AF}"/>
+                <a16:creationId xmlns:a16="http://schemas.microsoft.com/office/drawing/2014/main" id="{2AC72C00-9E0D-2C59-4569-948D36CC30F9}"/>
               </a:ext>
             </a:extLst>
           </p:cNvPr>
@@ -1115,7 +1115,7 @@
           <p:cNvPr id="4" name="日期占位符 3">
             <a:extLst>
               <a:ext uri="{FF2B5EF4-FFF2-40B4-BE49-F238E27FC236}">
-                <a16:creationId xmlns:a16="http://schemas.microsoft.com/office/drawing/2014/main" id="{C2858324-6CC7-AFDD-CF25-6BD893F0C98C}"/>
+                <a16:creationId xmlns:a16="http://schemas.microsoft.com/office/drawing/2014/main" id="{137DFA87-FD6C-E637-6846-7F43CA3EC227}"/>
               </a:ext>
             </a:extLst>
           </p:cNvPr>
@@ -1131,7 +1131,7 @@
           <a:bodyPr/>
           <a:lstStyle/>
           <a:p>
-            <a:fld id="{4AF0AEC9-9C40-4BD6-B168-9014C5B3DCEF}" type="datetimeFigureOut">
+            <a:fld id="{9E280738-DB55-4653-9056-96375497A42F}" type="datetimeFigureOut">
               <a:rPr lang="zh-CN" altLang="en-US" smtClean="0"/>
               <a:t>2024/3/10</a:t>
             </a:fld>
@@ -1144,7 +1144,7 @@
           <p:cNvPr id="5" name="页脚占位符 4">
             <a:extLst>
               <a:ext uri="{FF2B5EF4-FFF2-40B4-BE49-F238E27FC236}">
-                <a16:creationId xmlns:a16="http://schemas.microsoft.com/office/drawing/2014/main" id="{3EAF3F22-DB09-7EDC-CD86-DA0D87D2E318}"/>
+                <a16:creationId xmlns:a16="http://schemas.microsoft.com/office/drawing/2014/main" id="{15988910-2E0D-E5C5-BD5F-CCB305A89ADD}"/>
               </a:ext>
             </a:extLst>
           </p:cNvPr>
@@ -1169,7 +1169,7 @@
           <p:cNvPr id="6" name="灯片编号占位符 5">
             <a:extLst>
               <a:ext uri="{FF2B5EF4-FFF2-40B4-BE49-F238E27FC236}">
-                <a16:creationId xmlns:a16="http://schemas.microsoft.com/office/drawing/2014/main" id="{1CBEFD64-4D09-32F8-722C-0812100ADB76}"/>
+                <a16:creationId xmlns:a16="http://schemas.microsoft.com/office/drawing/2014/main" id="{EE28FB67-C948-BAC0-C45B-0AB5E4F716B1}"/>
               </a:ext>
             </a:extLst>
           </p:cNvPr>
@@ -1185,7 +1185,7 @@
           <a:bodyPr/>
           <a:lstStyle/>
           <a:p>
-            <a:fld id="{2BDF421C-AACB-4943-BB64-F45CB20459FB}" type="slidenum">
+            <a:fld id="{119CD012-1C9F-4DDF-AB88-77FBCC2BDB87}" type="slidenum">
               <a:rPr lang="zh-CN" altLang="en-US" smtClean="0"/>
               <a:t>‹#›</a:t>
             </a:fld>
@@ -1196,7 +1196,7 @@
     </p:spTree>
     <p:extLst>
       <p:ext uri="{BB962C8B-B14F-4D97-AF65-F5344CB8AC3E}">
-        <p14:creationId xmlns:p14="http://schemas.microsoft.com/office/powerpoint/2010/main" val="2709114131"/>
+        <p14:creationId xmlns:p14="http://schemas.microsoft.com/office/powerpoint/2010/main" val="2516777193"/>
       </p:ext>
     </p:extLst>
   </p:cSld>
@@ -1228,7 +1228,7 @@
           <p:cNvPr id="2" name="标题 1">
             <a:extLst>
               <a:ext uri="{FF2B5EF4-FFF2-40B4-BE49-F238E27FC236}">
-                <a16:creationId xmlns:a16="http://schemas.microsoft.com/office/drawing/2014/main" id="{197612A8-A94D-F5BD-478F-FD9DFB804041}"/>
+                <a16:creationId xmlns:a16="http://schemas.microsoft.com/office/drawing/2014/main" id="{124F957F-30A1-B882-98FC-96AE24272843}"/>
               </a:ext>
             </a:extLst>
           </p:cNvPr>
@@ -1256,7 +1256,7 @@
           <p:cNvPr id="3" name="内容占位符 2">
             <a:extLst>
               <a:ext uri="{FF2B5EF4-FFF2-40B4-BE49-F238E27FC236}">
-                <a16:creationId xmlns:a16="http://schemas.microsoft.com/office/drawing/2014/main" id="{D3CBA3AA-64AE-8EBB-F061-63B88DCC236E}"/>
+                <a16:creationId xmlns:a16="http://schemas.microsoft.com/office/drawing/2014/main" id="{3A9F9AA6-CDF9-C25B-C463-4C4F81D9F42D}"/>
               </a:ext>
             </a:extLst>
           </p:cNvPr>
@@ -1318,7 +1318,7 @@
           <p:cNvPr id="4" name="内容占位符 3">
             <a:extLst>
               <a:ext uri="{FF2B5EF4-FFF2-40B4-BE49-F238E27FC236}">
-                <a16:creationId xmlns:a16="http://schemas.microsoft.com/office/drawing/2014/main" id="{E33C7B44-704D-4C10-C80D-6F244759E559}"/>
+                <a16:creationId xmlns:a16="http://schemas.microsoft.com/office/drawing/2014/main" id="{2F8950EC-3B45-5F3F-10A7-387E14F7457B}"/>
               </a:ext>
             </a:extLst>
           </p:cNvPr>
@@ -1380,7 +1380,7 @@
           <p:cNvPr id="5" name="日期占位符 4">
             <a:extLst>
               <a:ext uri="{FF2B5EF4-FFF2-40B4-BE49-F238E27FC236}">
-                <a16:creationId xmlns:a16="http://schemas.microsoft.com/office/drawing/2014/main" id="{2F13E53A-DA54-8C1E-A954-D4FCFCFAA54A}"/>
+                <a16:creationId xmlns:a16="http://schemas.microsoft.com/office/drawing/2014/main" id="{706A7076-9A31-7DF6-E888-B659960B954A}"/>
               </a:ext>
             </a:extLst>
           </p:cNvPr>
@@ -1396,7 +1396,7 @@
           <a:bodyPr/>
           <a:lstStyle/>
           <a:p>
-            <a:fld id="{4AF0AEC9-9C40-4BD6-B168-9014C5B3DCEF}" type="datetimeFigureOut">
+            <a:fld id="{9E280738-DB55-4653-9056-96375497A42F}" type="datetimeFigureOut">
               <a:rPr lang="zh-CN" altLang="en-US" smtClean="0"/>
               <a:t>2024/3/10</a:t>
             </a:fld>
@@ -1409,7 +1409,7 @@
           <p:cNvPr id="6" name="页脚占位符 5">
             <a:extLst>
               <a:ext uri="{FF2B5EF4-FFF2-40B4-BE49-F238E27FC236}">
-                <a16:creationId xmlns:a16="http://schemas.microsoft.com/office/drawing/2014/main" id="{199EC4FA-709C-0DE4-3F40-DA3A75770C9C}"/>
+                <a16:creationId xmlns:a16="http://schemas.microsoft.com/office/drawing/2014/main" id="{3470AA26-0178-C430-FE35-F0EC40EDDEB8}"/>
               </a:ext>
             </a:extLst>
           </p:cNvPr>
@@ -1434,7 +1434,7 @@
           <p:cNvPr id="7" name="灯片编号占位符 6">
             <a:extLst>
               <a:ext uri="{FF2B5EF4-FFF2-40B4-BE49-F238E27FC236}">
-                <a16:creationId xmlns:a16="http://schemas.microsoft.com/office/drawing/2014/main" id="{C308C9AF-3333-923A-8A0C-E3DF1B6E4AE2}"/>
+                <a16:creationId xmlns:a16="http://schemas.microsoft.com/office/drawing/2014/main" id="{92AF62FC-C2DE-02B3-BCA6-636175BF99FA}"/>
               </a:ext>
             </a:extLst>
           </p:cNvPr>
@@ -1450,7 +1450,7 @@
           <a:bodyPr/>
           <a:lstStyle/>
           <a:p>
-            <a:fld id="{2BDF421C-AACB-4943-BB64-F45CB20459FB}" type="slidenum">
+            <a:fld id="{119CD012-1C9F-4DDF-AB88-77FBCC2BDB87}" type="slidenum">
               <a:rPr lang="zh-CN" altLang="en-US" smtClean="0"/>
               <a:t>‹#›</a:t>
             </a:fld>
@@ -1461,7 +1461,7 @@
     </p:spTree>
     <p:extLst>
       <p:ext uri="{BB962C8B-B14F-4D97-AF65-F5344CB8AC3E}">
-        <p14:creationId xmlns:p14="http://schemas.microsoft.com/office/powerpoint/2010/main" val="1537467646"/>
+        <p14:creationId xmlns:p14="http://schemas.microsoft.com/office/powerpoint/2010/main" val="4229935574"/>
       </p:ext>
     </p:extLst>
   </p:cSld>
@@ -1493,7 +1493,7 @@
           <p:cNvPr id="2" name="标题 1">
             <a:extLst>
               <a:ext uri="{FF2B5EF4-FFF2-40B4-BE49-F238E27FC236}">
-                <a16:creationId xmlns:a16="http://schemas.microsoft.com/office/drawing/2014/main" id="{0EE6EE98-1F35-AAC6-341F-2D263B58CEE6}"/>
+                <a16:creationId xmlns:a16="http://schemas.microsoft.com/office/drawing/2014/main" id="{522E4C86-9FF5-E7E4-5C3B-AD88FE336400}"/>
               </a:ext>
             </a:extLst>
           </p:cNvPr>
@@ -1526,7 +1526,7 @@
           <p:cNvPr id="3" name="文本占位符 2">
             <a:extLst>
               <a:ext uri="{FF2B5EF4-FFF2-40B4-BE49-F238E27FC236}">
-                <a16:creationId xmlns:a16="http://schemas.microsoft.com/office/drawing/2014/main" id="{91CCA2D6-29C2-BECD-F90A-8C394596E0A4}"/>
+                <a16:creationId xmlns:a16="http://schemas.microsoft.com/office/drawing/2014/main" id="{CBC46E18-DC72-F644-9612-A0C648E1D7F2}"/>
               </a:ext>
             </a:extLst>
           </p:cNvPr>
@@ -1597,7 +1597,7 @@
           <p:cNvPr id="4" name="内容占位符 3">
             <a:extLst>
               <a:ext uri="{FF2B5EF4-FFF2-40B4-BE49-F238E27FC236}">
-                <a16:creationId xmlns:a16="http://schemas.microsoft.com/office/drawing/2014/main" id="{0251795A-9905-D666-8B8B-0921E73FD244}"/>
+                <a16:creationId xmlns:a16="http://schemas.microsoft.com/office/drawing/2014/main" id="{35042D92-230F-075E-755E-CFFAB70493F8}"/>
               </a:ext>
             </a:extLst>
           </p:cNvPr>
@@ -1659,7 +1659,7 @@
           <p:cNvPr id="5" name="文本占位符 4">
             <a:extLst>
               <a:ext uri="{FF2B5EF4-FFF2-40B4-BE49-F238E27FC236}">
-                <a16:creationId xmlns:a16="http://schemas.microsoft.com/office/drawing/2014/main" id="{6558A56D-A398-234E-6049-2FBB37B4B868}"/>
+                <a16:creationId xmlns:a16="http://schemas.microsoft.com/office/drawing/2014/main" id="{70E708CA-E4ED-106C-A03C-1C03D876DB85}"/>
               </a:ext>
             </a:extLst>
           </p:cNvPr>
@@ -1730,7 +1730,7 @@
           <p:cNvPr id="6" name="内容占位符 5">
             <a:extLst>
               <a:ext uri="{FF2B5EF4-FFF2-40B4-BE49-F238E27FC236}">
-                <a16:creationId xmlns:a16="http://schemas.microsoft.com/office/drawing/2014/main" id="{28C70D20-A863-DC7C-8F6C-8B099ABAB2EA}"/>
+                <a16:creationId xmlns:a16="http://schemas.microsoft.com/office/drawing/2014/main" id="{E577096B-257D-EBA7-A098-05C7B2C35972}"/>
               </a:ext>
             </a:extLst>
           </p:cNvPr>
@@ -1792,7 +1792,7 @@
           <p:cNvPr id="7" name="日期占位符 6">
             <a:extLst>
               <a:ext uri="{FF2B5EF4-FFF2-40B4-BE49-F238E27FC236}">
-                <a16:creationId xmlns:a16="http://schemas.microsoft.com/office/drawing/2014/main" id="{1513EC53-7FA1-92B6-38BB-62C6B20379BB}"/>
+                <a16:creationId xmlns:a16="http://schemas.microsoft.com/office/drawing/2014/main" id="{4D443999-1756-E21A-3938-826FFB1BD8CC}"/>
               </a:ext>
             </a:extLst>
           </p:cNvPr>
@@ -1808,7 +1808,7 @@
           <a:bodyPr/>
           <a:lstStyle/>
           <a:p>
-            <a:fld id="{4AF0AEC9-9C40-4BD6-B168-9014C5B3DCEF}" type="datetimeFigureOut">
+            <a:fld id="{9E280738-DB55-4653-9056-96375497A42F}" type="datetimeFigureOut">
               <a:rPr lang="zh-CN" altLang="en-US" smtClean="0"/>
               <a:t>2024/3/10</a:t>
             </a:fld>
@@ -1821,7 +1821,7 @@
           <p:cNvPr id="8" name="页脚占位符 7">
             <a:extLst>
               <a:ext uri="{FF2B5EF4-FFF2-40B4-BE49-F238E27FC236}">
-                <a16:creationId xmlns:a16="http://schemas.microsoft.com/office/drawing/2014/main" id="{A8D50A2F-D65C-2E7E-2641-3BDF02700F23}"/>
+                <a16:creationId xmlns:a16="http://schemas.microsoft.com/office/drawing/2014/main" id="{1EF27D60-F4DC-4477-7F6B-6108D0D0E042}"/>
               </a:ext>
             </a:extLst>
           </p:cNvPr>
@@ -1846,7 +1846,7 @@
           <p:cNvPr id="9" name="灯片编号占位符 8">
             <a:extLst>
               <a:ext uri="{FF2B5EF4-FFF2-40B4-BE49-F238E27FC236}">
-                <a16:creationId xmlns:a16="http://schemas.microsoft.com/office/drawing/2014/main" id="{BF6E9EDD-D6D1-F458-2621-E6452415DADF}"/>
+                <a16:creationId xmlns:a16="http://schemas.microsoft.com/office/drawing/2014/main" id="{2B88F0D1-B3EB-088F-DD2F-29EC746EF662}"/>
               </a:ext>
             </a:extLst>
           </p:cNvPr>
@@ -1862,7 +1862,7 @@
           <a:bodyPr/>
           <a:lstStyle/>
           <a:p>
-            <a:fld id="{2BDF421C-AACB-4943-BB64-F45CB20459FB}" type="slidenum">
+            <a:fld id="{119CD012-1C9F-4DDF-AB88-77FBCC2BDB87}" type="slidenum">
               <a:rPr lang="zh-CN" altLang="en-US" smtClean="0"/>
               <a:t>‹#›</a:t>
             </a:fld>
@@ -1873,7 +1873,7 @@
     </p:spTree>
     <p:extLst>
       <p:ext uri="{BB962C8B-B14F-4D97-AF65-F5344CB8AC3E}">
-        <p14:creationId xmlns:p14="http://schemas.microsoft.com/office/powerpoint/2010/main" val="1003900742"/>
+        <p14:creationId xmlns:p14="http://schemas.microsoft.com/office/powerpoint/2010/main" val="1133640290"/>
       </p:ext>
     </p:extLst>
   </p:cSld>
@@ -1905,7 +1905,7 @@
           <p:cNvPr id="2" name="标题 1">
             <a:extLst>
               <a:ext uri="{FF2B5EF4-FFF2-40B4-BE49-F238E27FC236}">
-                <a16:creationId xmlns:a16="http://schemas.microsoft.com/office/drawing/2014/main" id="{BD49699A-734C-6FC2-2ED4-B727A8CB2A3E}"/>
+                <a16:creationId xmlns:a16="http://schemas.microsoft.com/office/drawing/2014/main" id="{5987B07C-65FB-6D6A-63B2-1300F2FEC09D}"/>
               </a:ext>
             </a:extLst>
           </p:cNvPr>
@@ -1933,7 +1933,7 @@
           <p:cNvPr id="3" name="日期占位符 2">
             <a:extLst>
               <a:ext uri="{FF2B5EF4-FFF2-40B4-BE49-F238E27FC236}">
-                <a16:creationId xmlns:a16="http://schemas.microsoft.com/office/drawing/2014/main" id="{EDBAFC2E-6A04-531A-1E0D-D2654C7B29D8}"/>
+                <a16:creationId xmlns:a16="http://schemas.microsoft.com/office/drawing/2014/main" id="{4D34D015-FBB1-DA58-B764-4E6A84F4AD8B}"/>
               </a:ext>
             </a:extLst>
           </p:cNvPr>
@@ -1949,7 +1949,7 @@
           <a:bodyPr/>
           <a:lstStyle/>
           <a:p>
-            <a:fld id="{4AF0AEC9-9C40-4BD6-B168-9014C5B3DCEF}" type="datetimeFigureOut">
+            <a:fld id="{9E280738-DB55-4653-9056-96375497A42F}" type="datetimeFigureOut">
               <a:rPr lang="zh-CN" altLang="en-US" smtClean="0"/>
               <a:t>2024/3/10</a:t>
             </a:fld>
@@ -1962,7 +1962,7 @@
           <p:cNvPr id="4" name="页脚占位符 3">
             <a:extLst>
               <a:ext uri="{FF2B5EF4-FFF2-40B4-BE49-F238E27FC236}">
-                <a16:creationId xmlns:a16="http://schemas.microsoft.com/office/drawing/2014/main" id="{98CF32FA-1663-6074-DE50-36FBD27328F5}"/>
+                <a16:creationId xmlns:a16="http://schemas.microsoft.com/office/drawing/2014/main" id="{0FE0C105-4FE4-4A94-568B-034548DCF5E3}"/>
               </a:ext>
             </a:extLst>
           </p:cNvPr>
@@ -1987,7 +1987,7 @@
           <p:cNvPr id="5" name="灯片编号占位符 4">
             <a:extLst>
               <a:ext uri="{FF2B5EF4-FFF2-40B4-BE49-F238E27FC236}">
-                <a16:creationId xmlns:a16="http://schemas.microsoft.com/office/drawing/2014/main" id="{EEF7AE0E-7C5B-BC25-6DA6-030FB3C2F06C}"/>
+                <a16:creationId xmlns:a16="http://schemas.microsoft.com/office/drawing/2014/main" id="{A8E07909-2A55-FF95-797B-DB3737F6A2A9}"/>
               </a:ext>
             </a:extLst>
           </p:cNvPr>
@@ -2003,7 +2003,7 @@
           <a:bodyPr/>
           <a:lstStyle/>
           <a:p>
-            <a:fld id="{2BDF421C-AACB-4943-BB64-F45CB20459FB}" type="slidenum">
+            <a:fld id="{119CD012-1C9F-4DDF-AB88-77FBCC2BDB87}" type="slidenum">
               <a:rPr lang="zh-CN" altLang="en-US" smtClean="0"/>
               <a:t>‹#›</a:t>
             </a:fld>
@@ -2014,7 +2014,7 @@
     </p:spTree>
     <p:extLst>
       <p:ext uri="{BB962C8B-B14F-4D97-AF65-F5344CB8AC3E}">
-        <p14:creationId xmlns:p14="http://schemas.microsoft.com/office/powerpoint/2010/main" val="3338364028"/>
+        <p14:creationId xmlns:p14="http://schemas.microsoft.com/office/powerpoint/2010/main" val="2631898191"/>
       </p:ext>
     </p:extLst>
   </p:cSld>
@@ -2046,7 +2046,7 @@
           <p:cNvPr id="2" name="日期占位符 1">
             <a:extLst>
               <a:ext uri="{FF2B5EF4-FFF2-40B4-BE49-F238E27FC236}">
-                <a16:creationId xmlns:a16="http://schemas.microsoft.com/office/drawing/2014/main" id="{710E2B82-B4DE-BF2C-AA84-14D20D9AA7FC}"/>
+                <a16:creationId xmlns:a16="http://schemas.microsoft.com/office/drawing/2014/main" id="{53FCB78E-E67C-A044-5364-17B0708BB816}"/>
               </a:ext>
             </a:extLst>
           </p:cNvPr>
@@ -2062,7 +2062,7 @@
           <a:bodyPr/>
           <a:lstStyle/>
           <a:p>
-            <a:fld id="{4AF0AEC9-9C40-4BD6-B168-9014C5B3DCEF}" type="datetimeFigureOut">
+            <a:fld id="{9E280738-DB55-4653-9056-96375497A42F}" type="datetimeFigureOut">
               <a:rPr lang="zh-CN" altLang="en-US" smtClean="0"/>
               <a:t>2024/3/10</a:t>
             </a:fld>
@@ -2075,7 +2075,7 @@
           <p:cNvPr id="3" name="页脚占位符 2">
             <a:extLst>
               <a:ext uri="{FF2B5EF4-FFF2-40B4-BE49-F238E27FC236}">
-                <a16:creationId xmlns:a16="http://schemas.microsoft.com/office/drawing/2014/main" id="{410192F4-FEFB-5B1F-F83E-5AEAE07A5E6A}"/>
+                <a16:creationId xmlns:a16="http://schemas.microsoft.com/office/drawing/2014/main" id="{67DFD07E-9398-C3F0-1085-8DF4B73ACCD3}"/>
               </a:ext>
             </a:extLst>
           </p:cNvPr>
@@ -2100,7 +2100,7 @@
           <p:cNvPr id="4" name="灯片编号占位符 3">
             <a:extLst>
               <a:ext uri="{FF2B5EF4-FFF2-40B4-BE49-F238E27FC236}">
-                <a16:creationId xmlns:a16="http://schemas.microsoft.com/office/drawing/2014/main" id="{BF7B395B-9A5F-AC50-90C0-39256AA23612}"/>
+                <a16:creationId xmlns:a16="http://schemas.microsoft.com/office/drawing/2014/main" id="{37987467-EDAE-90FE-B342-605C026897B1}"/>
               </a:ext>
             </a:extLst>
           </p:cNvPr>
@@ -2116,7 +2116,7 @@
           <a:bodyPr/>
           <a:lstStyle/>
           <a:p>
-            <a:fld id="{2BDF421C-AACB-4943-BB64-F45CB20459FB}" type="slidenum">
+            <a:fld id="{119CD012-1C9F-4DDF-AB88-77FBCC2BDB87}" type="slidenum">
               <a:rPr lang="zh-CN" altLang="en-US" smtClean="0"/>
               <a:t>‹#›</a:t>
             </a:fld>
@@ -2127,7 +2127,7 @@
     </p:spTree>
     <p:extLst>
       <p:ext uri="{BB962C8B-B14F-4D97-AF65-F5344CB8AC3E}">
-        <p14:creationId xmlns:p14="http://schemas.microsoft.com/office/powerpoint/2010/main" val="3367288289"/>
+        <p14:creationId xmlns:p14="http://schemas.microsoft.com/office/powerpoint/2010/main" val="2185147451"/>
       </p:ext>
     </p:extLst>
   </p:cSld>
@@ -2159,7 +2159,7 @@
           <p:cNvPr id="2" name="标题 1">
             <a:extLst>
               <a:ext uri="{FF2B5EF4-FFF2-40B4-BE49-F238E27FC236}">
-                <a16:creationId xmlns:a16="http://schemas.microsoft.com/office/drawing/2014/main" id="{C2557C1B-AC30-ACEB-8F42-90210AB696D7}"/>
+                <a16:creationId xmlns:a16="http://schemas.microsoft.com/office/drawing/2014/main" id="{86553D42-BB02-BF9B-C71F-D4561E1F20EC}"/>
               </a:ext>
             </a:extLst>
           </p:cNvPr>
@@ -2196,7 +2196,7 @@
           <p:cNvPr id="3" name="内容占位符 2">
             <a:extLst>
               <a:ext uri="{FF2B5EF4-FFF2-40B4-BE49-F238E27FC236}">
-                <a16:creationId xmlns:a16="http://schemas.microsoft.com/office/drawing/2014/main" id="{D9403738-A859-56E2-DE8C-0DD92CE0EEE5}"/>
+                <a16:creationId xmlns:a16="http://schemas.microsoft.com/office/drawing/2014/main" id="{4E386C10-917F-B36C-279E-35B81B97519A}"/>
               </a:ext>
             </a:extLst>
           </p:cNvPr>
@@ -2286,7 +2286,7 @@
           <p:cNvPr id="4" name="文本占位符 3">
             <a:extLst>
               <a:ext uri="{FF2B5EF4-FFF2-40B4-BE49-F238E27FC236}">
-                <a16:creationId xmlns:a16="http://schemas.microsoft.com/office/drawing/2014/main" id="{46934F59-9C53-863F-43B9-E2D1A9B00415}"/>
+                <a16:creationId xmlns:a16="http://schemas.microsoft.com/office/drawing/2014/main" id="{743B3C6B-0761-E09C-DA35-70FF3B609371}"/>
               </a:ext>
             </a:extLst>
           </p:cNvPr>
@@ -2357,7 +2357,7 @@
           <p:cNvPr id="5" name="日期占位符 4">
             <a:extLst>
               <a:ext uri="{FF2B5EF4-FFF2-40B4-BE49-F238E27FC236}">
-                <a16:creationId xmlns:a16="http://schemas.microsoft.com/office/drawing/2014/main" id="{6D9BD7E7-4752-3D3A-158A-FB91C3C0CC1E}"/>
+                <a16:creationId xmlns:a16="http://schemas.microsoft.com/office/drawing/2014/main" id="{9937402E-8DB4-36AE-8E7F-F4AFB4697E28}"/>
               </a:ext>
             </a:extLst>
           </p:cNvPr>
@@ -2373,7 +2373,7 @@
           <a:bodyPr/>
           <a:lstStyle/>
           <a:p>
-            <a:fld id="{4AF0AEC9-9C40-4BD6-B168-9014C5B3DCEF}" type="datetimeFigureOut">
+            <a:fld id="{9E280738-DB55-4653-9056-96375497A42F}" type="datetimeFigureOut">
               <a:rPr lang="zh-CN" altLang="en-US" smtClean="0"/>
               <a:t>2024/3/10</a:t>
             </a:fld>
@@ -2386,7 +2386,7 @@
           <p:cNvPr id="6" name="页脚占位符 5">
             <a:extLst>
               <a:ext uri="{FF2B5EF4-FFF2-40B4-BE49-F238E27FC236}">
-                <a16:creationId xmlns:a16="http://schemas.microsoft.com/office/drawing/2014/main" id="{98901B98-2E00-A656-D230-F7EF6BC666DC}"/>
+                <a16:creationId xmlns:a16="http://schemas.microsoft.com/office/drawing/2014/main" id="{9CB7AB3C-E00D-BC3F-379D-8908A03C3242}"/>
               </a:ext>
             </a:extLst>
           </p:cNvPr>
@@ -2411,7 +2411,7 @@
           <p:cNvPr id="7" name="灯片编号占位符 6">
             <a:extLst>
               <a:ext uri="{FF2B5EF4-FFF2-40B4-BE49-F238E27FC236}">
-                <a16:creationId xmlns:a16="http://schemas.microsoft.com/office/drawing/2014/main" id="{29D7A8C6-B387-F912-16CB-C63605E81837}"/>
+                <a16:creationId xmlns:a16="http://schemas.microsoft.com/office/drawing/2014/main" id="{7C19682A-9069-046C-37D3-353F1F0E8446}"/>
               </a:ext>
             </a:extLst>
           </p:cNvPr>
@@ -2427,7 +2427,7 @@
           <a:bodyPr/>
           <a:lstStyle/>
           <a:p>
-            <a:fld id="{2BDF421C-AACB-4943-BB64-F45CB20459FB}" type="slidenum">
+            <a:fld id="{119CD012-1C9F-4DDF-AB88-77FBCC2BDB87}" type="slidenum">
               <a:rPr lang="zh-CN" altLang="en-US" smtClean="0"/>
               <a:t>‹#›</a:t>
             </a:fld>
@@ -2438,7 +2438,7 @@
     </p:spTree>
     <p:extLst>
       <p:ext uri="{BB962C8B-B14F-4D97-AF65-F5344CB8AC3E}">
-        <p14:creationId xmlns:p14="http://schemas.microsoft.com/office/powerpoint/2010/main" val="306307117"/>
+        <p14:creationId xmlns:p14="http://schemas.microsoft.com/office/powerpoint/2010/main" val="1532388412"/>
       </p:ext>
     </p:extLst>
   </p:cSld>
@@ -2470,7 +2470,7 @@
           <p:cNvPr id="2" name="标题 1">
             <a:extLst>
               <a:ext uri="{FF2B5EF4-FFF2-40B4-BE49-F238E27FC236}">
-                <a16:creationId xmlns:a16="http://schemas.microsoft.com/office/drawing/2014/main" id="{FEAB895B-76A5-F100-5405-A3DF08492631}"/>
+                <a16:creationId xmlns:a16="http://schemas.microsoft.com/office/drawing/2014/main" id="{944FE058-2F63-A8D5-72FB-6C67085A513F}"/>
               </a:ext>
             </a:extLst>
           </p:cNvPr>
@@ -2507,7 +2507,7 @@
           <p:cNvPr id="3" name="图片占位符 2">
             <a:extLst>
               <a:ext uri="{FF2B5EF4-FFF2-40B4-BE49-F238E27FC236}">
-                <a16:creationId xmlns:a16="http://schemas.microsoft.com/office/drawing/2014/main" id="{C6064A08-42E1-02FA-08D7-57835621C111}"/>
+                <a16:creationId xmlns:a16="http://schemas.microsoft.com/office/drawing/2014/main" id="{F9BF4C24-1580-E078-A12B-8FF4D2F5D5C8}"/>
               </a:ext>
             </a:extLst>
           </p:cNvPr>
@@ -2574,7 +2574,7 @@
           <p:cNvPr id="4" name="文本占位符 3">
             <a:extLst>
               <a:ext uri="{FF2B5EF4-FFF2-40B4-BE49-F238E27FC236}">
-                <a16:creationId xmlns:a16="http://schemas.microsoft.com/office/drawing/2014/main" id="{2BAE99D6-F88F-C268-6AB8-56F4861C3515}"/>
+                <a16:creationId xmlns:a16="http://schemas.microsoft.com/office/drawing/2014/main" id="{5327A05A-0E31-BD88-0256-C629B9948064}"/>
               </a:ext>
             </a:extLst>
           </p:cNvPr>
@@ -2645,7 +2645,7 @@
           <p:cNvPr id="5" name="日期占位符 4">
             <a:extLst>
               <a:ext uri="{FF2B5EF4-FFF2-40B4-BE49-F238E27FC236}">
-                <a16:creationId xmlns:a16="http://schemas.microsoft.com/office/drawing/2014/main" id="{046E4196-786C-2080-7259-F69DCE2E73AF}"/>
+                <a16:creationId xmlns:a16="http://schemas.microsoft.com/office/drawing/2014/main" id="{1281C2AE-7115-0E8D-E9FF-C289056D8CB2}"/>
               </a:ext>
             </a:extLst>
           </p:cNvPr>
@@ -2661,7 +2661,7 @@
           <a:bodyPr/>
           <a:lstStyle/>
           <a:p>
-            <a:fld id="{4AF0AEC9-9C40-4BD6-B168-9014C5B3DCEF}" type="datetimeFigureOut">
+            <a:fld id="{9E280738-DB55-4653-9056-96375497A42F}" type="datetimeFigureOut">
               <a:rPr lang="zh-CN" altLang="en-US" smtClean="0"/>
               <a:t>2024/3/10</a:t>
             </a:fld>
@@ -2674,7 +2674,7 @@
           <p:cNvPr id="6" name="页脚占位符 5">
             <a:extLst>
               <a:ext uri="{FF2B5EF4-FFF2-40B4-BE49-F238E27FC236}">
-                <a16:creationId xmlns:a16="http://schemas.microsoft.com/office/drawing/2014/main" id="{58BDF7F2-F7CF-D8E4-7153-378DBE36C3C5}"/>
+                <a16:creationId xmlns:a16="http://schemas.microsoft.com/office/drawing/2014/main" id="{FE5EEF84-5421-517E-613F-F5B898F482C6}"/>
               </a:ext>
             </a:extLst>
           </p:cNvPr>
@@ -2699,7 +2699,7 @@
           <p:cNvPr id="7" name="灯片编号占位符 6">
             <a:extLst>
               <a:ext uri="{FF2B5EF4-FFF2-40B4-BE49-F238E27FC236}">
-                <a16:creationId xmlns:a16="http://schemas.microsoft.com/office/drawing/2014/main" id="{8D45EC37-C1E8-BA14-C2D2-3FF7B59D0ADF}"/>
+                <a16:creationId xmlns:a16="http://schemas.microsoft.com/office/drawing/2014/main" id="{87E7F82D-2D0F-1F01-7ACA-21881C7F7BEC}"/>
               </a:ext>
             </a:extLst>
           </p:cNvPr>
@@ -2715,7 +2715,7 @@
           <a:bodyPr/>
           <a:lstStyle/>
           <a:p>
-            <a:fld id="{2BDF421C-AACB-4943-BB64-F45CB20459FB}" type="slidenum">
+            <a:fld id="{119CD012-1C9F-4DDF-AB88-77FBCC2BDB87}" type="slidenum">
               <a:rPr lang="zh-CN" altLang="en-US" smtClean="0"/>
               <a:t>‹#›</a:t>
             </a:fld>
@@ -2726,7 +2726,7 @@
     </p:spTree>
     <p:extLst>
       <p:ext uri="{BB962C8B-B14F-4D97-AF65-F5344CB8AC3E}">
-        <p14:creationId xmlns:p14="http://schemas.microsoft.com/office/powerpoint/2010/main" val="4212706393"/>
+        <p14:creationId xmlns:p14="http://schemas.microsoft.com/office/powerpoint/2010/main" val="243449140"/>
       </p:ext>
     </p:extLst>
   </p:cSld>
@@ -2763,7 +2763,7 @@
           <p:cNvPr id="2" name="标题占位符 1">
             <a:extLst>
               <a:ext uri="{FF2B5EF4-FFF2-40B4-BE49-F238E27FC236}">
-                <a16:creationId xmlns:a16="http://schemas.microsoft.com/office/drawing/2014/main" id="{5FAE7E9B-DDDA-D60E-C247-327722965B27}"/>
+                <a16:creationId xmlns:a16="http://schemas.microsoft.com/office/drawing/2014/main" id="{D1070177-3380-3619-C06A-855D0EA8DBF1}"/>
               </a:ext>
             </a:extLst>
           </p:cNvPr>
@@ -2801,7 +2801,7 @@
           <p:cNvPr id="3" name="文本占位符 2">
             <a:extLst>
               <a:ext uri="{FF2B5EF4-FFF2-40B4-BE49-F238E27FC236}">
-                <a16:creationId xmlns:a16="http://schemas.microsoft.com/office/drawing/2014/main" id="{B802CE70-047F-AA41-B4B5-D7DE1DB7A8DF}"/>
+                <a16:creationId xmlns:a16="http://schemas.microsoft.com/office/drawing/2014/main" id="{464A9D3D-548B-9B40-9F30-A62452532F0F}"/>
               </a:ext>
             </a:extLst>
           </p:cNvPr>
@@ -2868,7 +2868,7 @@
           <p:cNvPr id="4" name="日期占位符 3">
             <a:extLst>
               <a:ext uri="{FF2B5EF4-FFF2-40B4-BE49-F238E27FC236}">
-                <a16:creationId xmlns:a16="http://schemas.microsoft.com/office/drawing/2014/main" id="{E8DAA1F9-D66B-BB57-D241-B12AED25EE77}"/>
+                <a16:creationId xmlns:a16="http://schemas.microsoft.com/office/drawing/2014/main" id="{A1A352D8-283E-7365-AC3E-C064CCFE33EE}"/>
               </a:ext>
             </a:extLst>
           </p:cNvPr>
@@ -2902,7 +2902,7 @@
             </a:lvl1pPr>
           </a:lstStyle>
           <a:p>
-            <a:fld id="{4AF0AEC9-9C40-4BD6-B168-9014C5B3DCEF}" type="datetimeFigureOut">
+            <a:fld id="{9E280738-DB55-4653-9056-96375497A42F}" type="datetimeFigureOut">
               <a:rPr lang="zh-CN" altLang="en-US" smtClean="0"/>
               <a:t>2024/3/10</a:t>
             </a:fld>
@@ -2915,7 +2915,7 @@
           <p:cNvPr id="5" name="页脚占位符 4">
             <a:extLst>
               <a:ext uri="{FF2B5EF4-FFF2-40B4-BE49-F238E27FC236}">
-                <a16:creationId xmlns:a16="http://schemas.microsoft.com/office/drawing/2014/main" id="{839BF762-CC51-1418-B038-1AECB5CF371C}"/>
+                <a16:creationId xmlns:a16="http://schemas.microsoft.com/office/drawing/2014/main" id="{99BC15FE-8969-EA6D-CB25-14BBEB9500B0}"/>
               </a:ext>
             </a:extLst>
           </p:cNvPr>
@@ -2958,7 +2958,7 @@
           <p:cNvPr id="6" name="灯片编号占位符 5">
             <a:extLst>
               <a:ext uri="{FF2B5EF4-FFF2-40B4-BE49-F238E27FC236}">
-                <a16:creationId xmlns:a16="http://schemas.microsoft.com/office/drawing/2014/main" id="{845D63B3-CB90-0D2A-52A3-0D36BFB15CBC}"/>
+                <a16:creationId xmlns:a16="http://schemas.microsoft.com/office/drawing/2014/main" id="{BA0D51D1-B5FB-B461-FCD6-BC8998837132}"/>
               </a:ext>
             </a:extLst>
           </p:cNvPr>
@@ -2992,7 +2992,7 @@
             </a:lvl1pPr>
           </a:lstStyle>
           <a:p>
-            <a:fld id="{2BDF421C-AACB-4943-BB64-F45CB20459FB}" type="slidenum">
+            <a:fld id="{119CD012-1C9F-4DDF-AB88-77FBCC2BDB87}" type="slidenum">
               <a:rPr lang="zh-CN" altLang="en-US" smtClean="0"/>
               <a:t>‹#›</a:t>
             </a:fld>
@@ -3003,7 +3003,7 @@
     </p:spTree>
     <p:extLst>
       <p:ext uri="{BB962C8B-B14F-4D97-AF65-F5344CB8AC3E}">
-        <p14:creationId xmlns:p14="http://schemas.microsoft.com/office/powerpoint/2010/main" val="2328684173"/>
+        <p14:creationId xmlns:p14="http://schemas.microsoft.com/office/powerpoint/2010/main" val="3010656189"/>
       </p:ext>
     </p:extLst>
   </p:cSld>
@@ -3323,7 +3323,7 @@
       </p:grpSpPr>
       <p:pic>
         <p:nvPicPr>
-          <p:cNvPr id="1293314" name="Picture 2" descr="1262"/>
+          <p:cNvPr id="1294338" name="Picture 2" descr="1263"/>
           <p:cNvPicPr>
             <a:picLocks noChangeAspect="1" noChangeArrowheads="1"/>
           </p:cNvPicPr>
@@ -3344,8 +3344,8 @@
         </p:blipFill>
         <p:spPr bwMode="auto">
           <a:xfrm>
-            <a:off x="1524000" y="1"/>
-            <a:ext cx="9144000" cy="6519863"/>
+            <a:off x="1524000" y="0"/>
+            <a:ext cx="9144000" cy="6858000"/>
           </a:xfrm>
           <a:prstGeom prst="rect">
             <a:avLst/>
